--- a/毕业设计/中期检查.pptx
+++ b/毕业设计/中期检查.pptx
@@ -17,6 +17,7 @@
     <p:sldId id="266" r:id="rId11"/>
     <p:sldId id="267" r:id="rId12"/>
     <p:sldId id="268" r:id="rId13"/>
+    <p:sldId id="269" r:id="rId14"/>
   </p:sldIdLst>
   <p:sldSz cx="12192000" cy="6858000"/>
   <p:notesSz cx="6858000" cy="9144000"/>
@@ -3840,6 +3841,16 @@
   <p:clrMapOvr>
     <a:masterClrMapping/>
   </p:clrMapOvr>
+  <p:transition spd="slow">
+    <p:cover/>
+  </p:transition>
+  <p:timing>
+    <p:tnLst>
+      <p:par>
+        <p:cTn id="1" dur="indefinite" restart="never" nodeType="tmRoot"/>
+      </p:par>
+    </p:tnLst>
+  </p:timing>
 </p:sld>
 </file>
 
@@ -4574,6 +4585,16 @@
   <p:clrMapOvr>
     <a:masterClrMapping/>
   </p:clrMapOvr>
+  <p:transition spd="slow">
+    <p:cover/>
+  </p:transition>
+  <p:timing>
+    <p:tnLst>
+      <p:par>
+        <p:cTn id="1" dur="indefinite" restart="never" nodeType="tmRoot"/>
+      </p:par>
+    </p:tnLst>
+  </p:timing>
 </p:sld>
 </file>
 
@@ -4843,6 +4864,90 @@
   <p:clrMapOvr>
     <a:masterClrMapping/>
   </p:clrMapOvr>
+  <p:transition spd="slow">
+    <p:cover/>
+  </p:transition>
+  <p:timing>
+    <p:tnLst>
+      <p:par>
+        <p:cTn id="1" dur="indefinite" restart="never" nodeType="tmRoot"/>
+      </p:par>
+    </p:tnLst>
+  </p:timing>
+</p:sld>
+</file>
+
+<file path=ppt/slides/slide13.xml><?xml version="1.0" encoding="utf-8"?>
+<p:sld xmlns:a="http://schemas.openxmlformats.org/drawingml/2006/main" xmlns:r="http://schemas.openxmlformats.org/officeDocument/2006/relationships" xmlns:p="http://schemas.openxmlformats.org/presentationml/2006/main">
+  <p:cSld>
+    <p:spTree>
+      <p:nvGrpSpPr>
+        <p:cNvPr id="1" name=""/>
+        <p:cNvGrpSpPr/>
+        <p:nvPr/>
+      </p:nvGrpSpPr>
+      <p:grpSpPr>
+        <a:xfrm>
+          <a:off x="0" y="0"/>
+          <a:ext cx="0" cy="0"/>
+          <a:chOff x="0" y="0"/>
+          <a:chExt cx="0" cy="0"/>
+        </a:xfrm>
+      </p:grpSpPr>
+      <p:sp>
+        <p:nvSpPr>
+          <p:cNvPr id="4" name="标题 1"/>
+          <p:cNvSpPr>
+            <a:spLocks noGrp="1"/>
+          </p:cNvSpPr>
+          <p:nvPr>
+            <p:ph type="title"/>
+          </p:nvPr>
+        </p:nvSpPr>
+        <p:spPr>
+          <a:xfrm>
+            <a:off x="5124450" y="2830739"/>
+            <a:ext cx="1717221" cy="1325563"/>
+          </a:xfrm>
+        </p:spPr>
+        <p:txBody>
+          <a:bodyPr/>
+          <a:lstStyle/>
+          <a:p>
+            <a:r>
+              <a:rPr lang="zh-CN" altLang="en-US" dirty="0" smtClean="0">
+                <a:solidFill>
+                  <a:schemeClr val="accent6"/>
+                </a:solidFill>
+                <a:latin typeface="Microsoft JhengHei Light" panose="020B0304030504040204" pitchFamily="34" charset="-120"/>
+                <a:ea typeface="Microsoft JhengHei Light" panose="020B0304030504040204" pitchFamily="34" charset="-120"/>
+              </a:rPr>
+              <a:t>谢谢</a:t>
+            </a:r>
+            <a:endParaRPr lang="zh-CN" altLang="en-US" dirty="0"/>
+          </a:p>
+        </p:txBody>
+      </p:sp>
+    </p:spTree>
+    <p:extLst>
+      <p:ext uri="{BB962C8B-B14F-4D97-AF65-F5344CB8AC3E}">
+        <p14:creationId xmlns:p14="http://schemas.microsoft.com/office/powerpoint/2010/main" val="1902133736"/>
+      </p:ext>
+    </p:extLst>
+  </p:cSld>
+  <p:clrMapOvr>
+    <a:masterClrMapping/>
+  </p:clrMapOvr>
+  <p:transition spd="slow">
+    <p:cover/>
+  </p:transition>
+  <p:timing>
+    <p:tnLst>
+      <p:par>
+        <p:cTn id="1" dur="indefinite" restart="never" nodeType="tmRoot"/>
+      </p:par>
+    </p:tnLst>
+  </p:timing>
 </p:sld>
 </file>
 
@@ -6521,17 +6626,7 @@
                 <a:latin typeface="Microsoft JhengHei Light" panose="020B0304030504040204" pitchFamily="34" charset="-120"/>
                 <a:ea typeface="Microsoft JhengHei Light" panose="020B0304030504040204" pitchFamily="34" charset="-120"/>
               </a:rPr>
-              <a:t>解决</a:t>
-            </a:r>
-            <a:r>
-              <a:rPr lang="zh-CN" altLang="en-US" dirty="0" smtClean="0">
-                <a:solidFill>
-                  <a:schemeClr val="accent6"/>
-                </a:solidFill>
-                <a:latin typeface="Microsoft JhengHei Light" panose="020B0304030504040204" pitchFamily="34" charset="-120"/>
-                <a:ea typeface="Microsoft JhengHei Light" panose="020B0304030504040204" pitchFamily="34" charset="-120"/>
-              </a:rPr>
-              <a:t>方案</a:t>
+              <a:t>解决方案</a:t>
             </a:r>
             <a:r>
               <a:rPr lang="en-US" altLang="zh-CN" dirty="0" smtClean="0">
@@ -6811,17 +6906,7 @@
                 <a:latin typeface="Microsoft JhengHei Light" panose="020B0304030504040204" pitchFamily="34" charset="-120"/>
                 <a:ea typeface="Microsoft JhengHei Light" panose="020B0304030504040204" pitchFamily="34" charset="-120"/>
               </a:rPr>
-              <a:t>解决</a:t>
-            </a:r>
-            <a:r>
-              <a:rPr lang="zh-CN" altLang="en-US" dirty="0" smtClean="0">
-                <a:solidFill>
-                  <a:schemeClr val="accent6"/>
-                </a:solidFill>
-                <a:latin typeface="Microsoft JhengHei Light" panose="020B0304030504040204" pitchFamily="34" charset="-120"/>
-                <a:ea typeface="Microsoft JhengHei Light" panose="020B0304030504040204" pitchFamily="34" charset="-120"/>
-              </a:rPr>
-              <a:t>方案</a:t>
+              <a:t>解决方案</a:t>
             </a:r>
             <a:r>
               <a:rPr lang="en-US" altLang="zh-CN" dirty="0" smtClean="0">
@@ -7168,17 +7253,7 @@
                 <a:latin typeface="Microsoft JhengHei Light" panose="020B0304030504040204" pitchFamily="34" charset="-120"/>
                 <a:ea typeface="Microsoft JhengHei Light" panose="020B0304030504040204" pitchFamily="34" charset="-120"/>
               </a:rPr>
-              <a:t>解决</a:t>
-            </a:r>
-            <a:r>
-              <a:rPr lang="zh-CN" altLang="en-US" dirty="0" smtClean="0">
-                <a:solidFill>
-                  <a:schemeClr val="accent6"/>
-                </a:solidFill>
-                <a:latin typeface="Microsoft JhengHei Light" panose="020B0304030504040204" pitchFamily="34" charset="-120"/>
-                <a:ea typeface="Microsoft JhengHei Light" panose="020B0304030504040204" pitchFamily="34" charset="-120"/>
-              </a:rPr>
-              <a:t>方案</a:t>
+              <a:t>解决方案</a:t>
             </a:r>
             <a:r>
               <a:rPr lang="en-US" altLang="zh-CN" dirty="0" smtClean="0">
@@ -7979,17 +8054,7 @@
                 <a:latin typeface="Microsoft JhengHei Light" panose="020B0304030504040204" pitchFamily="34" charset="-120"/>
                 <a:ea typeface="Microsoft JhengHei Light" panose="020B0304030504040204" pitchFamily="34" charset="-120"/>
               </a:rPr>
-              <a:t>解决</a:t>
-            </a:r>
-            <a:r>
-              <a:rPr lang="zh-CN" altLang="en-US" dirty="0" smtClean="0">
-                <a:solidFill>
-                  <a:schemeClr val="accent6"/>
-                </a:solidFill>
-                <a:latin typeface="Microsoft JhengHei Light" panose="020B0304030504040204" pitchFamily="34" charset="-120"/>
-                <a:ea typeface="Microsoft JhengHei Light" panose="020B0304030504040204" pitchFamily="34" charset="-120"/>
-              </a:rPr>
-              <a:t>方案</a:t>
+              <a:t>解决方案</a:t>
             </a:r>
             <a:r>
               <a:rPr lang="en-US" altLang="zh-CN" dirty="0" smtClean="0">
